--- a/3dwebclient/images/GPS_on_pos_ori.pptx
+++ b/3dwebclient/images/GPS_on_pos_ori.pptx
@@ -154,7 +154,7 @@
           </a:lstStyle>
           <a:p>
             <a:r>
-              <a:rPr lang="de-DE" smtClean="0"/>
+              <a:rPr lang="de-DE"/>
               <a:t>Titelmasterformat durch Klicken bearbeiten</a:t>
             </a:r>
             <a:endParaRPr lang="en-US"/>
@@ -219,7 +219,7 @@
           </a:lstStyle>
           <a:p>
             <a:r>
-              <a:rPr lang="de-DE" smtClean="0"/>
+              <a:rPr lang="de-DE"/>
               <a:t>Formatvorlage des Untertitelmasters durch Klicken bearbeiten</a:t>
             </a:r>
             <a:endParaRPr lang="en-US"/>
@@ -243,7 +243,7 @@
           <a:p>
             <a:fld id="{4631EFA2-06F7-4F07-9FD0-9BEA6FBA73D3}" type="datetimeFigureOut">
               <a:rPr lang="en-US" smtClean="0"/>
-              <a:t>8/8/2017</a:t>
+              <a:t>9/18/2024</a:t>
             </a:fld>
             <a:endParaRPr lang="en-US"/>
           </a:p>
@@ -285,7 +285,7 @@
           <a:p>
             <a:fld id="{E0A0E83A-DAF9-415B-BCB0-D9FC7C10ED75}" type="slidenum">
               <a:rPr lang="en-US" smtClean="0"/>
-              <a:t>‹Nr.›</a:t>
+              <a:t>‹#›</a:t>
             </a:fld>
             <a:endParaRPr lang="en-US"/>
           </a:p>
@@ -337,7 +337,7 @@
           <a:lstStyle/>
           <a:p>
             <a:r>
-              <a:rPr lang="de-DE" smtClean="0"/>
+              <a:rPr lang="de-DE"/>
               <a:t>Titelmasterformat durch Klicken bearbeiten</a:t>
             </a:r>
             <a:endParaRPr lang="en-US"/>
@@ -361,35 +361,35 @@
           <a:p>
             <a:pPr lvl="0"/>
             <a:r>
-              <a:rPr lang="de-DE" smtClean="0"/>
+              <a:rPr lang="de-DE"/>
               <a:t>Textmasterformat bearbeiten</a:t>
             </a:r>
           </a:p>
           <a:p>
             <a:pPr lvl="1"/>
             <a:r>
-              <a:rPr lang="de-DE" smtClean="0"/>
+              <a:rPr lang="de-DE"/>
               <a:t>Zweite Ebene</a:t>
             </a:r>
           </a:p>
           <a:p>
             <a:pPr lvl="2"/>
             <a:r>
-              <a:rPr lang="de-DE" smtClean="0"/>
+              <a:rPr lang="de-DE"/>
               <a:t>Dritte Ebene</a:t>
             </a:r>
           </a:p>
           <a:p>
             <a:pPr lvl="3"/>
             <a:r>
-              <a:rPr lang="de-DE" smtClean="0"/>
+              <a:rPr lang="de-DE"/>
               <a:t>Vierte Ebene</a:t>
             </a:r>
           </a:p>
           <a:p>
             <a:pPr lvl="4"/>
             <a:r>
-              <a:rPr lang="de-DE" smtClean="0"/>
+              <a:rPr lang="de-DE"/>
               <a:t>Fünfte Ebene</a:t>
             </a:r>
             <a:endParaRPr lang="en-US"/>
@@ -413,7 +413,7 @@
           <a:p>
             <a:fld id="{4631EFA2-06F7-4F07-9FD0-9BEA6FBA73D3}" type="datetimeFigureOut">
               <a:rPr lang="en-US" smtClean="0"/>
-              <a:t>8/8/2017</a:t>
+              <a:t>9/18/2024</a:t>
             </a:fld>
             <a:endParaRPr lang="en-US"/>
           </a:p>
@@ -455,7 +455,7 @@
           <a:p>
             <a:fld id="{E0A0E83A-DAF9-415B-BCB0-D9FC7C10ED75}" type="slidenum">
               <a:rPr lang="en-US" smtClean="0"/>
-              <a:t>‹Nr.›</a:t>
+              <a:t>‹#›</a:t>
             </a:fld>
             <a:endParaRPr lang="en-US"/>
           </a:p>
@@ -512,7 +512,7 @@
           <a:lstStyle/>
           <a:p>
             <a:r>
-              <a:rPr lang="de-DE" smtClean="0"/>
+              <a:rPr lang="de-DE"/>
               <a:t>Titelmasterformat durch Klicken bearbeiten</a:t>
             </a:r>
             <a:endParaRPr lang="en-US"/>
@@ -541,35 +541,35 @@
           <a:p>
             <a:pPr lvl="0"/>
             <a:r>
-              <a:rPr lang="de-DE" smtClean="0"/>
+              <a:rPr lang="de-DE"/>
               <a:t>Textmasterformat bearbeiten</a:t>
             </a:r>
           </a:p>
           <a:p>
             <a:pPr lvl="1"/>
             <a:r>
-              <a:rPr lang="de-DE" smtClean="0"/>
+              <a:rPr lang="de-DE"/>
               <a:t>Zweite Ebene</a:t>
             </a:r>
           </a:p>
           <a:p>
             <a:pPr lvl="2"/>
             <a:r>
-              <a:rPr lang="de-DE" smtClean="0"/>
+              <a:rPr lang="de-DE"/>
               <a:t>Dritte Ebene</a:t>
             </a:r>
           </a:p>
           <a:p>
             <a:pPr lvl="3"/>
             <a:r>
-              <a:rPr lang="de-DE" smtClean="0"/>
+              <a:rPr lang="de-DE"/>
               <a:t>Vierte Ebene</a:t>
             </a:r>
           </a:p>
           <a:p>
             <a:pPr lvl="4"/>
             <a:r>
-              <a:rPr lang="de-DE" smtClean="0"/>
+              <a:rPr lang="de-DE"/>
               <a:t>Fünfte Ebene</a:t>
             </a:r>
             <a:endParaRPr lang="en-US"/>
@@ -593,7 +593,7 @@
           <a:p>
             <a:fld id="{4631EFA2-06F7-4F07-9FD0-9BEA6FBA73D3}" type="datetimeFigureOut">
               <a:rPr lang="en-US" smtClean="0"/>
-              <a:t>8/8/2017</a:t>
+              <a:t>9/18/2024</a:t>
             </a:fld>
             <a:endParaRPr lang="en-US"/>
           </a:p>
@@ -635,7 +635,7 @@
           <a:p>
             <a:fld id="{E0A0E83A-DAF9-415B-BCB0-D9FC7C10ED75}" type="slidenum">
               <a:rPr lang="en-US" smtClean="0"/>
-              <a:t>‹Nr.›</a:t>
+              <a:t>‹#›</a:t>
             </a:fld>
             <a:endParaRPr lang="en-US"/>
           </a:p>
@@ -687,7 +687,7 @@
           <a:lstStyle/>
           <a:p>
             <a:r>
-              <a:rPr lang="de-DE" smtClean="0"/>
+              <a:rPr lang="de-DE"/>
               <a:t>Titelmasterformat durch Klicken bearbeiten</a:t>
             </a:r>
             <a:endParaRPr lang="en-US"/>
@@ -711,35 +711,35 @@
           <a:p>
             <a:pPr lvl="0"/>
             <a:r>
-              <a:rPr lang="de-DE" smtClean="0"/>
+              <a:rPr lang="de-DE"/>
               <a:t>Textmasterformat bearbeiten</a:t>
             </a:r>
           </a:p>
           <a:p>
             <a:pPr lvl="1"/>
             <a:r>
-              <a:rPr lang="de-DE" smtClean="0"/>
+              <a:rPr lang="de-DE"/>
               <a:t>Zweite Ebene</a:t>
             </a:r>
           </a:p>
           <a:p>
             <a:pPr lvl="2"/>
             <a:r>
-              <a:rPr lang="de-DE" smtClean="0"/>
+              <a:rPr lang="de-DE"/>
               <a:t>Dritte Ebene</a:t>
             </a:r>
           </a:p>
           <a:p>
             <a:pPr lvl="3"/>
             <a:r>
-              <a:rPr lang="de-DE" smtClean="0"/>
+              <a:rPr lang="de-DE"/>
               <a:t>Vierte Ebene</a:t>
             </a:r>
           </a:p>
           <a:p>
             <a:pPr lvl="4"/>
             <a:r>
-              <a:rPr lang="de-DE" smtClean="0"/>
+              <a:rPr lang="de-DE"/>
               <a:t>Fünfte Ebene</a:t>
             </a:r>
             <a:endParaRPr lang="en-US"/>
@@ -763,7 +763,7 @@
           <a:p>
             <a:fld id="{4631EFA2-06F7-4F07-9FD0-9BEA6FBA73D3}" type="datetimeFigureOut">
               <a:rPr lang="en-US" smtClean="0"/>
-              <a:t>8/8/2017</a:t>
+              <a:t>9/18/2024</a:t>
             </a:fld>
             <a:endParaRPr lang="en-US"/>
           </a:p>
@@ -805,7 +805,7 @@
           <a:p>
             <a:fld id="{E0A0E83A-DAF9-415B-BCB0-D9FC7C10ED75}" type="slidenum">
               <a:rPr lang="en-US" smtClean="0"/>
-              <a:t>‹Nr.›</a:t>
+              <a:t>‹#›</a:t>
             </a:fld>
             <a:endParaRPr lang="en-US"/>
           </a:p>
@@ -866,7 +866,7 @@
           </a:lstStyle>
           <a:p>
             <a:r>
-              <a:rPr lang="de-DE" smtClean="0"/>
+              <a:rPr lang="de-DE"/>
               <a:t>Titelmasterformat durch Klicken bearbeiten</a:t>
             </a:r>
             <a:endParaRPr lang="en-US"/>
@@ -986,7 +986,7 @@
           <a:p>
             <a:pPr lvl="0"/>
             <a:r>
-              <a:rPr lang="de-DE" smtClean="0"/>
+              <a:rPr lang="de-DE"/>
               <a:t>Textmasterformat bearbeiten</a:t>
             </a:r>
           </a:p>
@@ -1009,7 +1009,7 @@
           <a:p>
             <a:fld id="{4631EFA2-06F7-4F07-9FD0-9BEA6FBA73D3}" type="datetimeFigureOut">
               <a:rPr lang="en-US" smtClean="0"/>
-              <a:t>8/8/2017</a:t>
+              <a:t>9/18/2024</a:t>
             </a:fld>
             <a:endParaRPr lang="en-US"/>
           </a:p>
@@ -1051,7 +1051,7 @@
           <a:p>
             <a:fld id="{E0A0E83A-DAF9-415B-BCB0-D9FC7C10ED75}" type="slidenum">
               <a:rPr lang="en-US" smtClean="0"/>
-              <a:t>‹Nr.›</a:t>
+              <a:t>‹#›</a:t>
             </a:fld>
             <a:endParaRPr lang="en-US"/>
           </a:p>
@@ -1103,7 +1103,7 @@
           <a:lstStyle/>
           <a:p>
             <a:r>
-              <a:rPr lang="de-DE" smtClean="0"/>
+              <a:rPr lang="de-DE"/>
               <a:t>Titelmasterformat durch Klicken bearbeiten</a:t>
             </a:r>
             <a:endParaRPr lang="en-US"/>
@@ -1132,35 +1132,35 @@
           <a:p>
             <a:pPr lvl="0"/>
             <a:r>
-              <a:rPr lang="de-DE" smtClean="0"/>
+              <a:rPr lang="de-DE"/>
               <a:t>Textmasterformat bearbeiten</a:t>
             </a:r>
           </a:p>
           <a:p>
             <a:pPr lvl="1"/>
             <a:r>
-              <a:rPr lang="de-DE" smtClean="0"/>
+              <a:rPr lang="de-DE"/>
               <a:t>Zweite Ebene</a:t>
             </a:r>
           </a:p>
           <a:p>
             <a:pPr lvl="2"/>
             <a:r>
-              <a:rPr lang="de-DE" smtClean="0"/>
+              <a:rPr lang="de-DE"/>
               <a:t>Dritte Ebene</a:t>
             </a:r>
           </a:p>
           <a:p>
             <a:pPr lvl="3"/>
             <a:r>
-              <a:rPr lang="de-DE" smtClean="0"/>
+              <a:rPr lang="de-DE"/>
               <a:t>Vierte Ebene</a:t>
             </a:r>
           </a:p>
           <a:p>
             <a:pPr lvl="4"/>
             <a:r>
-              <a:rPr lang="de-DE" smtClean="0"/>
+              <a:rPr lang="de-DE"/>
               <a:t>Fünfte Ebene</a:t>
             </a:r>
             <a:endParaRPr lang="en-US"/>
@@ -1189,35 +1189,35 @@
           <a:p>
             <a:pPr lvl="0"/>
             <a:r>
-              <a:rPr lang="de-DE" smtClean="0"/>
+              <a:rPr lang="de-DE"/>
               <a:t>Textmasterformat bearbeiten</a:t>
             </a:r>
           </a:p>
           <a:p>
             <a:pPr lvl="1"/>
             <a:r>
-              <a:rPr lang="de-DE" smtClean="0"/>
+              <a:rPr lang="de-DE"/>
               <a:t>Zweite Ebene</a:t>
             </a:r>
           </a:p>
           <a:p>
             <a:pPr lvl="2"/>
             <a:r>
-              <a:rPr lang="de-DE" smtClean="0"/>
+              <a:rPr lang="de-DE"/>
               <a:t>Dritte Ebene</a:t>
             </a:r>
           </a:p>
           <a:p>
             <a:pPr lvl="3"/>
             <a:r>
-              <a:rPr lang="de-DE" smtClean="0"/>
+              <a:rPr lang="de-DE"/>
               <a:t>Vierte Ebene</a:t>
             </a:r>
           </a:p>
           <a:p>
             <a:pPr lvl="4"/>
             <a:r>
-              <a:rPr lang="de-DE" smtClean="0"/>
+              <a:rPr lang="de-DE"/>
               <a:t>Fünfte Ebene</a:t>
             </a:r>
             <a:endParaRPr lang="en-US"/>
@@ -1241,7 +1241,7 @@
           <a:p>
             <a:fld id="{4631EFA2-06F7-4F07-9FD0-9BEA6FBA73D3}" type="datetimeFigureOut">
               <a:rPr lang="en-US" smtClean="0"/>
-              <a:t>8/8/2017</a:t>
+              <a:t>9/18/2024</a:t>
             </a:fld>
             <a:endParaRPr lang="en-US"/>
           </a:p>
@@ -1283,7 +1283,7 @@
           <a:p>
             <a:fld id="{E0A0E83A-DAF9-415B-BCB0-D9FC7C10ED75}" type="slidenum">
               <a:rPr lang="en-US" smtClean="0"/>
-              <a:t>‹Nr.›</a:t>
+              <a:t>‹#›</a:t>
             </a:fld>
             <a:endParaRPr lang="en-US"/>
           </a:p>
@@ -1340,7 +1340,7 @@
           <a:lstStyle/>
           <a:p>
             <a:r>
-              <a:rPr lang="de-DE" smtClean="0"/>
+              <a:rPr lang="de-DE"/>
               <a:t>Titelmasterformat durch Klicken bearbeiten</a:t>
             </a:r>
             <a:endParaRPr lang="en-US"/>
@@ -1406,7 +1406,7 @@
           <a:p>
             <a:pPr lvl="0"/>
             <a:r>
-              <a:rPr lang="de-DE" smtClean="0"/>
+              <a:rPr lang="de-DE"/>
               <a:t>Textmasterformat bearbeiten</a:t>
             </a:r>
           </a:p>
@@ -1434,35 +1434,35 @@
           <a:p>
             <a:pPr lvl="0"/>
             <a:r>
-              <a:rPr lang="de-DE" smtClean="0"/>
+              <a:rPr lang="de-DE"/>
               <a:t>Textmasterformat bearbeiten</a:t>
             </a:r>
           </a:p>
           <a:p>
             <a:pPr lvl="1"/>
             <a:r>
-              <a:rPr lang="de-DE" smtClean="0"/>
+              <a:rPr lang="de-DE"/>
               <a:t>Zweite Ebene</a:t>
             </a:r>
           </a:p>
           <a:p>
             <a:pPr lvl="2"/>
             <a:r>
-              <a:rPr lang="de-DE" smtClean="0"/>
+              <a:rPr lang="de-DE"/>
               <a:t>Dritte Ebene</a:t>
             </a:r>
           </a:p>
           <a:p>
             <a:pPr lvl="3"/>
             <a:r>
-              <a:rPr lang="de-DE" smtClean="0"/>
+              <a:rPr lang="de-DE"/>
               <a:t>Vierte Ebene</a:t>
             </a:r>
           </a:p>
           <a:p>
             <a:pPr lvl="4"/>
             <a:r>
-              <a:rPr lang="de-DE" smtClean="0"/>
+              <a:rPr lang="de-DE"/>
               <a:t>Fünfte Ebene</a:t>
             </a:r>
             <a:endParaRPr lang="en-US"/>
@@ -1528,7 +1528,7 @@
           <a:p>
             <a:pPr lvl="0"/>
             <a:r>
-              <a:rPr lang="de-DE" smtClean="0"/>
+              <a:rPr lang="de-DE"/>
               <a:t>Textmasterformat bearbeiten</a:t>
             </a:r>
           </a:p>
@@ -1556,35 +1556,35 @@
           <a:p>
             <a:pPr lvl="0"/>
             <a:r>
-              <a:rPr lang="de-DE" smtClean="0"/>
+              <a:rPr lang="de-DE"/>
               <a:t>Textmasterformat bearbeiten</a:t>
             </a:r>
           </a:p>
           <a:p>
             <a:pPr lvl="1"/>
             <a:r>
-              <a:rPr lang="de-DE" smtClean="0"/>
+              <a:rPr lang="de-DE"/>
               <a:t>Zweite Ebene</a:t>
             </a:r>
           </a:p>
           <a:p>
             <a:pPr lvl="2"/>
             <a:r>
-              <a:rPr lang="de-DE" smtClean="0"/>
+              <a:rPr lang="de-DE"/>
               <a:t>Dritte Ebene</a:t>
             </a:r>
           </a:p>
           <a:p>
             <a:pPr lvl="3"/>
             <a:r>
-              <a:rPr lang="de-DE" smtClean="0"/>
+              <a:rPr lang="de-DE"/>
               <a:t>Vierte Ebene</a:t>
             </a:r>
           </a:p>
           <a:p>
             <a:pPr lvl="4"/>
             <a:r>
-              <a:rPr lang="de-DE" smtClean="0"/>
+              <a:rPr lang="de-DE"/>
               <a:t>Fünfte Ebene</a:t>
             </a:r>
             <a:endParaRPr lang="en-US"/>
@@ -1608,7 +1608,7 @@
           <a:p>
             <a:fld id="{4631EFA2-06F7-4F07-9FD0-9BEA6FBA73D3}" type="datetimeFigureOut">
               <a:rPr lang="en-US" smtClean="0"/>
-              <a:t>8/8/2017</a:t>
+              <a:t>9/18/2024</a:t>
             </a:fld>
             <a:endParaRPr lang="en-US"/>
           </a:p>
@@ -1650,7 +1650,7 @@
           <a:p>
             <a:fld id="{E0A0E83A-DAF9-415B-BCB0-D9FC7C10ED75}" type="slidenum">
               <a:rPr lang="en-US" smtClean="0"/>
-              <a:t>‹Nr.›</a:t>
+              <a:t>‹#›</a:t>
             </a:fld>
             <a:endParaRPr lang="en-US"/>
           </a:p>
@@ -1702,7 +1702,7 @@
           <a:lstStyle/>
           <a:p>
             <a:r>
-              <a:rPr lang="de-DE" smtClean="0"/>
+              <a:rPr lang="de-DE"/>
               <a:t>Titelmasterformat durch Klicken bearbeiten</a:t>
             </a:r>
             <a:endParaRPr lang="en-US"/>
@@ -1726,7 +1726,7 @@
           <a:p>
             <a:fld id="{4631EFA2-06F7-4F07-9FD0-9BEA6FBA73D3}" type="datetimeFigureOut">
               <a:rPr lang="en-US" smtClean="0"/>
-              <a:t>8/8/2017</a:t>
+              <a:t>9/18/2024</a:t>
             </a:fld>
             <a:endParaRPr lang="en-US"/>
           </a:p>
@@ -1768,7 +1768,7 @@
           <a:p>
             <a:fld id="{E0A0E83A-DAF9-415B-BCB0-D9FC7C10ED75}" type="slidenum">
               <a:rPr lang="en-US" smtClean="0"/>
-              <a:t>‹Nr.›</a:t>
+              <a:t>‹#›</a:t>
             </a:fld>
             <a:endParaRPr lang="en-US"/>
           </a:p>
@@ -1821,7 +1821,7 @@
           <a:p>
             <a:fld id="{4631EFA2-06F7-4F07-9FD0-9BEA6FBA73D3}" type="datetimeFigureOut">
               <a:rPr lang="en-US" smtClean="0"/>
-              <a:t>8/8/2017</a:t>
+              <a:t>9/18/2024</a:t>
             </a:fld>
             <a:endParaRPr lang="en-US"/>
           </a:p>
@@ -1863,7 +1863,7 @@
           <a:p>
             <a:fld id="{E0A0E83A-DAF9-415B-BCB0-D9FC7C10ED75}" type="slidenum">
               <a:rPr lang="en-US" smtClean="0"/>
-              <a:t>‹Nr.›</a:t>
+              <a:t>‹#›</a:t>
             </a:fld>
             <a:endParaRPr lang="en-US"/>
           </a:p>
@@ -1924,7 +1924,7 @@
           </a:lstStyle>
           <a:p>
             <a:r>
-              <a:rPr lang="de-DE" smtClean="0"/>
+              <a:rPr lang="de-DE"/>
               <a:t>Titelmasterformat durch Klicken bearbeiten</a:t>
             </a:r>
             <a:endParaRPr lang="en-US"/>
@@ -1981,35 +1981,35 @@
           <a:p>
             <a:pPr lvl="0"/>
             <a:r>
-              <a:rPr lang="de-DE" smtClean="0"/>
+              <a:rPr lang="de-DE"/>
               <a:t>Textmasterformat bearbeiten</a:t>
             </a:r>
           </a:p>
           <a:p>
             <a:pPr lvl="1"/>
             <a:r>
-              <a:rPr lang="de-DE" smtClean="0"/>
+              <a:rPr lang="de-DE"/>
               <a:t>Zweite Ebene</a:t>
             </a:r>
           </a:p>
           <a:p>
             <a:pPr lvl="2"/>
             <a:r>
-              <a:rPr lang="de-DE" smtClean="0"/>
+              <a:rPr lang="de-DE"/>
               <a:t>Dritte Ebene</a:t>
             </a:r>
           </a:p>
           <a:p>
             <a:pPr lvl="3"/>
             <a:r>
-              <a:rPr lang="de-DE" smtClean="0"/>
+              <a:rPr lang="de-DE"/>
               <a:t>Vierte Ebene</a:t>
             </a:r>
           </a:p>
           <a:p>
             <a:pPr lvl="4"/>
             <a:r>
-              <a:rPr lang="de-DE" smtClean="0"/>
+              <a:rPr lang="de-DE"/>
               <a:t>Fünfte Ebene</a:t>
             </a:r>
             <a:endParaRPr lang="en-US"/>
@@ -2075,7 +2075,7 @@
           <a:p>
             <a:pPr lvl="0"/>
             <a:r>
-              <a:rPr lang="de-DE" smtClean="0"/>
+              <a:rPr lang="de-DE"/>
               <a:t>Textmasterformat bearbeiten</a:t>
             </a:r>
           </a:p>
@@ -2098,7 +2098,7 @@
           <a:p>
             <a:fld id="{4631EFA2-06F7-4F07-9FD0-9BEA6FBA73D3}" type="datetimeFigureOut">
               <a:rPr lang="en-US" smtClean="0"/>
-              <a:t>8/8/2017</a:t>
+              <a:t>9/18/2024</a:t>
             </a:fld>
             <a:endParaRPr lang="en-US"/>
           </a:p>
@@ -2140,7 +2140,7 @@
           <a:p>
             <a:fld id="{E0A0E83A-DAF9-415B-BCB0-D9FC7C10ED75}" type="slidenum">
               <a:rPr lang="en-US" smtClean="0"/>
-              <a:t>‹Nr.›</a:t>
+              <a:t>‹#›</a:t>
             </a:fld>
             <a:endParaRPr lang="en-US"/>
           </a:p>
@@ -2201,7 +2201,7 @@
           </a:lstStyle>
           <a:p>
             <a:r>
-              <a:rPr lang="de-DE" smtClean="0"/>
+              <a:rPr lang="de-DE"/>
               <a:t>Titelmasterformat durch Klicken bearbeiten</a:t>
             </a:r>
             <a:endParaRPr lang="en-US"/>
@@ -2328,7 +2328,7 @@
           <a:p>
             <a:pPr lvl="0"/>
             <a:r>
-              <a:rPr lang="de-DE" smtClean="0"/>
+              <a:rPr lang="de-DE"/>
               <a:t>Textmasterformat bearbeiten</a:t>
             </a:r>
           </a:p>
@@ -2351,7 +2351,7 @@
           <a:p>
             <a:fld id="{4631EFA2-06F7-4F07-9FD0-9BEA6FBA73D3}" type="datetimeFigureOut">
               <a:rPr lang="en-US" smtClean="0"/>
-              <a:t>8/8/2017</a:t>
+              <a:t>9/18/2024</a:t>
             </a:fld>
             <a:endParaRPr lang="en-US"/>
           </a:p>
@@ -2393,7 +2393,7 @@
           <a:p>
             <a:fld id="{E0A0E83A-DAF9-415B-BCB0-D9FC7C10ED75}" type="slidenum">
               <a:rPr lang="en-US" smtClean="0"/>
-              <a:t>‹Nr.›</a:t>
+              <a:t>‹#›</a:t>
             </a:fld>
             <a:endParaRPr lang="en-US"/>
           </a:p>
@@ -2460,7 +2460,7 @@
           <a:lstStyle/>
           <a:p>
             <a:r>
-              <a:rPr lang="de-DE" smtClean="0"/>
+              <a:rPr lang="de-DE"/>
               <a:t>Titelmasterformat durch Klicken bearbeiten</a:t>
             </a:r>
             <a:endParaRPr lang="en-US"/>
@@ -2494,35 +2494,35 @@
           <a:p>
             <a:pPr lvl="0"/>
             <a:r>
-              <a:rPr lang="de-DE" smtClean="0"/>
+              <a:rPr lang="de-DE"/>
               <a:t>Textmasterformat bearbeiten</a:t>
             </a:r>
           </a:p>
           <a:p>
             <a:pPr lvl="1"/>
             <a:r>
-              <a:rPr lang="de-DE" smtClean="0"/>
+              <a:rPr lang="de-DE"/>
               <a:t>Zweite Ebene</a:t>
             </a:r>
           </a:p>
           <a:p>
             <a:pPr lvl="2"/>
             <a:r>
-              <a:rPr lang="de-DE" smtClean="0"/>
+              <a:rPr lang="de-DE"/>
               <a:t>Dritte Ebene</a:t>
             </a:r>
           </a:p>
           <a:p>
             <a:pPr lvl="3"/>
             <a:r>
-              <a:rPr lang="de-DE" smtClean="0"/>
+              <a:rPr lang="de-DE"/>
               <a:t>Vierte Ebene</a:t>
             </a:r>
           </a:p>
           <a:p>
             <a:pPr lvl="4"/>
             <a:r>
-              <a:rPr lang="de-DE" smtClean="0"/>
+              <a:rPr lang="de-DE"/>
               <a:t>Fünfte Ebene</a:t>
             </a:r>
             <a:endParaRPr lang="en-US"/>
@@ -2564,7 +2564,7 @@
           <a:p>
             <a:fld id="{4631EFA2-06F7-4F07-9FD0-9BEA6FBA73D3}" type="datetimeFigureOut">
               <a:rPr lang="en-US" smtClean="0"/>
-              <a:t>8/8/2017</a:t>
+              <a:t>9/18/2024</a:t>
             </a:fld>
             <a:endParaRPr lang="en-US"/>
           </a:p>
@@ -2642,7 +2642,7 @@
           <a:p>
             <a:fld id="{E0A0E83A-DAF9-415B-BCB0-D9FC7C10ED75}" type="slidenum">
               <a:rPr lang="en-US" smtClean="0"/>
-              <a:t>‹Nr.›</a:t>
+              <a:t>‹#›</a:t>
             </a:fld>
             <a:endParaRPr lang="en-US"/>
           </a:p>
@@ -3048,10 +3048,8 @@
             <a:solidFill>
               <a:srgbClr val="EDFFFF"/>
             </a:solidFill>
-            <a:ln w="38100">
-              <a:solidFill>
-                <a:srgbClr val="303336"/>
-              </a:solidFill>
+            <a:ln w="76200">
+              <a:noFill/>
             </a:ln>
           </p:spPr>
           <p:style>
@@ -3097,9 +3095,7 @@
               <a:srgbClr val="303336"/>
             </a:solidFill>
             <a:ln w="28575">
-              <a:solidFill>
-                <a:srgbClr val="303336"/>
-              </a:solidFill>
+              <a:noFill/>
             </a:ln>
           </p:spPr>
           <p:style>
@@ -3142,12 +3138,10 @@
               <a:avLst/>
             </a:prstGeom>
             <a:solidFill>
-              <a:srgbClr val="EDFFFF"/>
+              <a:srgbClr val="FFC000"/>
             </a:solidFill>
-            <a:ln w="57150">
-              <a:solidFill>
-                <a:srgbClr val="303336"/>
-              </a:solidFill>
+            <a:ln w="76200">
+              <a:noFill/>
             </a:ln>
           </p:spPr>
           <p:style>
@@ -3193,9 +3187,7 @@
               <a:srgbClr val="303336"/>
             </a:solidFill>
             <a:ln>
-              <a:solidFill>
-                <a:srgbClr val="303336"/>
-              </a:solidFill>
+              <a:noFill/>
             </a:ln>
           </p:spPr>
           <p:style>
@@ -3239,7 +3231,7 @@
             </a:prstGeom>
             <a:ln w="762000">
               <a:solidFill>
-                <a:srgbClr val="EDFFFF"/>
+                <a:srgbClr val="FFC000"/>
               </a:solidFill>
             </a:ln>
           </p:spPr>
@@ -3274,7 +3266,7 @@
             </a:prstGeom>
             <a:ln w="762000">
               <a:solidFill>
-                <a:srgbClr val="EDFFFF"/>
+                <a:srgbClr val="FFC000"/>
               </a:solidFill>
             </a:ln>
           </p:spPr>
@@ -3309,7 +3301,7 @@
             </a:prstGeom>
             <a:ln w="762000">
               <a:solidFill>
-                <a:srgbClr val="EDFFFF"/>
+                <a:srgbClr val="FFC000"/>
               </a:solidFill>
             </a:ln>
           </p:spPr>
@@ -3344,7 +3336,7 @@
             </a:prstGeom>
             <a:ln w="762000">
               <a:solidFill>
-                <a:srgbClr val="EDFFFF"/>
+                <a:srgbClr val="FFC000"/>
               </a:solidFill>
             </a:ln>
           </p:spPr>
